--- a/images/AHOD Diagrams.pptx
+++ b/images/AHOD Diagrams.pptx
@@ -104,6 +104,11 @@
       </a:defRPr>
     </a:lvl9pPr>
   </p:defaultTextStyle>
+  <p:extLst>
+    <p:ext uri="{EFAFB233-063F-42B5-8137-9DF3F51BA10A}">
+      <p15:sldGuideLst xmlns:p15="http://schemas.microsoft.com/office/powerpoint/2012/main"/>
+    </p:ext>
+  </p:extLst>
 </p:presentation>
 </file>
 
@@ -3832,6 +3837,82 @@
           </a:fontRef>
         </p:style>
       </p:cxnSp>
+      <p:sp>
+        <p:nvSpPr>
+          <p:cNvPr id="2" name="TextBox 1"/>
+          <p:cNvSpPr txBox="1"/>
+          <p:nvPr/>
+        </p:nvSpPr>
+        <p:spPr>
+          <a:xfrm>
+            <a:off x="2140030" y="2833703"/>
+            <a:ext cx="901369" cy="584775"/>
+          </a:xfrm>
+          <a:prstGeom prst="rect">
+            <a:avLst/>
+          </a:prstGeom>
+          <a:noFill/>
+        </p:spPr>
+        <p:txBody>
+          <a:bodyPr wrap="square" rtlCol="0">
+            <a:spAutoFit/>
+          </a:bodyPr>
+          <a:lstStyle/>
+          <a:p>
+            <a:pPr algn="ctr"/>
+            <a:r>
+              <a:rPr lang="en-US" sz="1600" dirty="0" smtClean="0"/>
+              <a:t>Cisco</a:t>
+            </a:r>
+          </a:p>
+          <a:p>
+            <a:pPr algn="ctr"/>
+            <a:r>
+              <a:rPr lang="en-US" sz="1600" dirty="0" smtClean="0"/>
+              <a:t>IE4000</a:t>
+            </a:r>
+            <a:endParaRPr lang="en-US" sz="1600" dirty="0"/>
+          </a:p>
+        </p:txBody>
+      </p:sp>
+      <p:sp>
+        <p:nvSpPr>
+          <p:cNvPr id="28" name="TextBox 27"/>
+          <p:cNvSpPr txBox="1"/>
+          <p:nvPr/>
+        </p:nvSpPr>
+        <p:spPr>
+          <a:xfrm>
+            <a:off x="2140030" y="5293463"/>
+            <a:ext cx="901369" cy="584775"/>
+          </a:xfrm>
+          <a:prstGeom prst="rect">
+            <a:avLst/>
+          </a:prstGeom>
+          <a:noFill/>
+        </p:spPr>
+        <p:txBody>
+          <a:bodyPr wrap="square" rtlCol="0">
+            <a:spAutoFit/>
+          </a:bodyPr>
+          <a:lstStyle/>
+          <a:p>
+            <a:pPr algn="ctr"/>
+            <a:r>
+              <a:rPr lang="en-US" sz="1600" dirty="0" smtClean="0"/>
+              <a:t>Cisco</a:t>
+            </a:r>
+          </a:p>
+          <a:p>
+            <a:pPr algn="ctr"/>
+            <a:r>
+              <a:rPr lang="en-US" sz="1600" dirty="0" smtClean="0"/>
+              <a:t>IE4000</a:t>
+            </a:r>
+            <a:endParaRPr lang="en-US" sz="1600" dirty="0"/>
+          </a:p>
+        </p:txBody>
+      </p:sp>
     </p:spTree>
     <p:extLst>
       <p:ext uri="{BB962C8B-B14F-4D97-AF65-F5344CB8AC3E}">
